--- a/12_occupancy.pptx
+++ b/12_occupancy.pptx
@@ -218,7 +218,7 @@
           <a:p>
             <a:fld id="{16F29BDC-05BE-4055-A75E-892A091DAB95}" type="datetimeFigureOut">
               <a:rPr lang="en-US" smtClean="0"/>
-              <a:t>11/5/19</a:t>
+              <a:t>11/7/19</a:t>
             </a:fld>
             <a:endParaRPr lang="en-US"/>
           </a:p>
@@ -1425,7 +1425,7 @@
             <a:fld id="{830F9418-5B83-A746-9E86-DED2E993E05E}" type="datetime1">
               <a:rPr lang="en-US" altLang="ja-JP"/>
               <a:pPr/>
-              <a:t>11/5/19</a:t>
+              <a:t>11/7/19</a:t>
             </a:fld>
             <a:endParaRPr lang="en-US" altLang="ja-JP"/>
           </a:p>
@@ -1610,7 +1610,7 @@
             <a:fld id="{6D01DB05-A92A-4D49-8595-8879094720BB}" type="datetime1">
               <a:rPr lang="en-US" altLang="ja-JP"/>
               <a:pPr/>
-              <a:t>11/5/19</a:t>
+              <a:t>11/7/19</a:t>
             </a:fld>
             <a:endParaRPr lang="en-US" altLang="ja-JP"/>
           </a:p>
@@ -1805,7 +1805,7 @@
             <a:fld id="{A7B7B07B-1D52-1E4A-B611-9C1440D28BF6}" type="datetime1">
               <a:rPr lang="en-US" altLang="ja-JP"/>
               <a:pPr/>
-              <a:t>11/5/19</a:t>
+              <a:t>11/7/19</a:t>
             </a:fld>
             <a:endParaRPr lang="en-US" altLang="ja-JP"/>
           </a:p>
@@ -2007,7 +2007,7 @@
           <a:p>
             <a:fld id="{314C27E4-3F14-4EB0-A0B7-52A5040CC8C6}" type="datetimeFigureOut">
               <a:rPr lang="en-US" smtClean="0"/>
-              <a:t>11/5/19</a:t>
+              <a:t>11/7/19</a:t>
             </a:fld>
             <a:endParaRPr lang="en-US"/>
           </a:p>
@@ -2175,7 +2175,7 @@
           <a:p>
             <a:fld id="{314C27E4-3F14-4EB0-A0B7-52A5040CC8C6}" type="datetimeFigureOut">
               <a:rPr lang="en-US" smtClean="0"/>
-              <a:t>11/5/19</a:t>
+              <a:t>11/7/19</a:t>
             </a:fld>
             <a:endParaRPr lang="en-US"/>
           </a:p>
@@ -2420,7 +2420,7 @@
           <a:p>
             <a:fld id="{314C27E4-3F14-4EB0-A0B7-52A5040CC8C6}" type="datetimeFigureOut">
               <a:rPr lang="en-US" smtClean="0"/>
-              <a:t>11/5/19</a:t>
+              <a:t>11/7/19</a:t>
             </a:fld>
             <a:endParaRPr lang="en-US"/>
           </a:p>
@@ -2649,7 +2649,7 @@
           <a:p>
             <a:fld id="{314C27E4-3F14-4EB0-A0B7-52A5040CC8C6}" type="datetimeFigureOut">
               <a:rPr lang="en-US" smtClean="0"/>
-              <a:t>11/5/19</a:t>
+              <a:t>11/7/19</a:t>
             </a:fld>
             <a:endParaRPr lang="en-US"/>
           </a:p>
@@ -3013,7 +3013,7 @@
           <a:p>
             <a:fld id="{314C27E4-3F14-4EB0-A0B7-52A5040CC8C6}" type="datetimeFigureOut">
               <a:rPr lang="en-US" smtClean="0"/>
-              <a:t>11/5/19</a:t>
+              <a:t>11/7/19</a:t>
             </a:fld>
             <a:endParaRPr lang="en-US"/>
           </a:p>
@@ -3130,7 +3130,7 @@
           <a:p>
             <a:fld id="{314C27E4-3F14-4EB0-A0B7-52A5040CC8C6}" type="datetimeFigureOut">
               <a:rPr lang="en-US" smtClean="0"/>
-              <a:t>11/5/19</a:t>
+              <a:t>11/7/19</a:t>
             </a:fld>
             <a:endParaRPr lang="en-US"/>
           </a:p>
@@ -3225,7 +3225,7 @@
           <a:p>
             <a:fld id="{314C27E4-3F14-4EB0-A0B7-52A5040CC8C6}" type="datetimeFigureOut">
               <a:rPr lang="en-US" smtClean="0"/>
-              <a:t>11/5/19</a:t>
+              <a:t>11/7/19</a:t>
             </a:fld>
             <a:endParaRPr lang="en-US"/>
           </a:p>
@@ -3500,7 +3500,7 @@
           <a:p>
             <a:fld id="{314C27E4-3F14-4EB0-A0B7-52A5040CC8C6}" type="datetimeFigureOut">
               <a:rPr lang="en-US" smtClean="0"/>
-              <a:t>11/5/19</a:t>
+              <a:t>11/7/19</a:t>
             </a:fld>
             <a:endParaRPr lang="en-US"/>
           </a:p>
@@ -3673,7 +3673,7 @@
             <a:fld id="{CC71711A-BC47-CA44-9877-92D3003F2A98}" type="datetime1">
               <a:rPr lang="en-US" altLang="ja-JP"/>
               <a:pPr/>
-              <a:t>11/5/19</a:t>
+              <a:t>11/7/19</a:t>
             </a:fld>
             <a:endParaRPr lang="en-US" altLang="ja-JP"/>
           </a:p>
@@ -3937,7 +3937,7 @@
           <a:p>
             <a:fld id="{314C27E4-3F14-4EB0-A0B7-52A5040CC8C6}" type="datetimeFigureOut">
               <a:rPr lang="en-US" smtClean="0"/>
-              <a:t>11/5/19</a:t>
+              <a:t>11/7/19</a:t>
             </a:fld>
             <a:endParaRPr lang="en-US"/>
           </a:p>
@@ -4105,7 +4105,7 @@
           <a:p>
             <a:fld id="{314C27E4-3F14-4EB0-A0B7-52A5040CC8C6}" type="datetimeFigureOut">
               <a:rPr lang="en-US" smtClean="0"/>
-              <a:t>11/5/19</a:t>
+              <a:t>11/7/19</a:t>
             </a:fld>
             <a:endParaRPr lang="en-US"/>
           </a:p>
@@ -4283,7 +4283,7 @@
           <a:p>
             <a:fld id="{314C27E4-3F14-4EB0-A0B7-52A5040CC8C6}" type="datetimeFigureOut">
               <a:rPr lang="en-US" smtClean="0"/>
-              <a:t>11/5/19</a:t>
+              <a:t>11/7/19</a:t>
             </a:fld>
             <a:endParaRPr lang="en-US"/>
           </a:p>
@@ -4473,7 +4473,7 @@
           <a:p>
             <a:fld id="{22559B5B-FF36-4D59-B3D9-55EADB775587}" type="datetimeFigureOut">
               <a:rPr lang="en-US" smtClean="0"/>
-              <a:t>11/5/19</a:t>
+              <a:t>11/7/19</a:t>
             </a:fld>
             <a:endParaRPr lang="en-US"/>
           </a:p>
@@ -4641,7 +4641,7 @@
           <a:p>
             <a:fld id="{22559B5B-FF36-4D59-B3D9-55EADB775587}" type="datetimeFigureOut">
               <a:rPr lang="en-US" smtClean="0"/>
-              <a:t>11/5/19</a:t>
+              <a:t>11/7/19</a:t>
             </a:fld>
             <a:endParaRPr lang="en-US"/>
           </a:p>
@@ -4886,7 +4886,7 @@
           <a:p>
             <a:fld id="{22559B5B-FF36-4D59-B3D9-55EADB775587}" type="datetimeFigureOut">
               <a:rPr lang="en-US" smtClean="0"/>
-              <a:t>11/5/19</a:t>
+              <a:t>11/7/19</a:t>
             </a:fld>
             <a:endParaRPr lang="en-US"/>
           </a:p>
@@ -5115,7 +5115,7 @@
           <a:p>
             <a:fld id="{22559B5B-FF36-4D59-B3D9-55EADB775587}" type="datetimeFigureOut">
               <a:rPr lang="en-US" smtClean="0"/>
-              <a:t>11/5/19</a:t>
+              <a:t>11/7/19</a:t>
             </a:fld>
             <a:endParaRPr lang="en-US"/>
           </a:p>
@@ -5479,7 +5479,7 @@
           <a:p>
             <a:fld id="{22559B5B-FF36-4D59-B3D9-55EADB775587}" type="datetimeFigureOut">
               <a:rPr lang="en-US" smtClean="0"/>
-              <a:t>11/5/19</a:t>
+              <a:t>11/7/19</a:t>
             </a:fld>
             <a:endParaRPr lang="en-US"/>
           </a:p>
@@ -5596,7 +5596,7 @@
           <a:p>
             <a:fld id="{22559B5B-FF36-4D59-B3D9-55EADB775587}" type="datetimeFigureOut">
               <a:rPr lang="en-US" smtClean="0"/>
-              <a:t>11/5/19</a:t>
+              <a:t>11/7/19</a:t>
             </a:fld>
             <a:endParaRPr lang="en-US"/>
           </a:p>
@@ -5691,7 +5691,7 @@
           <a:p>
             <a:fld id="{22559B5B-FF36-4D59-B3D9-55EADB775587}" type="datetimeFigureOut">
               <a:rPr lang="en-US" smtClean="0"/>
-              <a:t>11/5/19</a:t>
+              <a:t>11/7/19</a:t>
             </a:fld>
             <a:endParaRPr lang="en-US"/>
           </a:p>
@@ -5941,7 +5941,7 @@
             <a:fld id="{B9423B52-357B-1441-9B62-0D8AC9B72289}" type="datetime1">
               <a:rPr lang="en-US" altLang="ja-JP"/>
               <a:pPr/>
-              <a:t>11/5/19</a:t>
+              <a:t>11/7/19</a:t>
             </a:fld>
             <a:endParaRPr lang="en-US" altLang="ja-JP"/>
           </a:p>
@@ -6228,7 +6228,7 @@
           <a:p>
             <a:fld id="{22559B5B-FF36-4D59-B3D9-55EADB775587}" type="datetimeFigureOut">
               <a:rPr lang="en-US" smtClean="0"/>
-              <a:t>11/5/19</a:t>
+              <a:t>11/7/19</a:t>
             </a:fld>
             <a:endParaRPr lang="en-US"/>
           </a:p>
@@ -6480,7 +6480,7 @@
           <a:p>
             <a:fld id="{22559B5B-FF36-4D59-B3D9-55EADB775587}" type="datetimeFigureOut">
               <a:rPr lang="en-US" smtClean="0"/>
-              <a:t>11/5/19</a:t>
+              <a:t>11/7/19</a:t>
             </a:fld>
             <a:endParaRPr lang="en-US"/>
           </a:p>
@@ -6648,7 +6648,7 @@
           <a:p>
             <a:fld id="{22559B5B-FF36-4D59-B3D9-55EADB775587}" type="datetimeFigureOut">
               <a:rPr lang="en-US" smtClean="0"/>
-              <a:t>11/5/19</a:t>
+              <a:t>11/7/19</a:t>
             </a:fld>
             <a:endParaRPr lang="en-US"/>
           </a:p>
@@ -6826,7 +6826,7 @@
           <a:p>
             <a:fld id="{22559B5B-FF36-4D59-B3D9-55EADB775587}" type="datetimeFigureOut">
               <a:rPr lang="en-US" smtClean="0"/>
-              <a:t>11/5/19</a:t>
+              <a:t>11/7/19</a:t>
             </a:fld>
             <a:endParaRPr lang="en-US"/>
           </a:p>
@@ -7116,7 +7116,7 @@
             <a:fld id="{F5CBE31D-36C7-2548-8724-72332A0B5030}" type="datetime1">
               <a:rPr lang="en-US" altLang="ja-JP"/>
               <a:pPr/>
-              <a:t>11/5/19</a:t>
+              <a:t>11/7/19</a:t>
             </a:fld>
             <a:endParaRPr lang="en-US" altLang="ja-JP"/>
           </a:p>
@@ -7552,7 +7552,7 @@
             <a:fld id="{AD34DE35-7F18-034A-91D3-9AA0A58229FE}" type="datetime1">
               <a:rPr lang="en-US" altLang="ja-JP"/>
               <a:pPr/>
-              <a:t>11/5/19</a:t>
+              <a:t>11/7/19</a:t>
             </a:fld>
             <a:endParaRPr lang="en-US" altLang="ja-JP"/>
           </a:p>
@@ -7686,7 +7686,7 @@
             <a:fld id="{FB53120A-9A6F-3B49-8306-483CA126BCFB}" type="datetime1">
               <a:rPr lang="en-US" altLang="ja-JP"/>
               <a:pPr/>
-              <a:t>11/5/19</a:t>
+              <a:t>11/7/19</a:t>
             </a:fld>
             <a:endParaRPr lang="en-US" altLang="ja-JP"/>
           </a:p>
@@ -7798,7 +7798,7 @@
             <a:fld id="{F7B738BA-2629-934E-94BF-F5CC72E7235A}" type="datetime1">
               <a:rPr lang="en-US" altLang="ja-JP"/>
               <a:pPr/>
-              <a:t>11/5/19</a:t>
+              <a:t>11/7/19</a:t>
             </a:fld>
             <a:endParaRPr lang="en-US" altLang="ja-JP"/>
           </a:p>
@@ -7959,14 +7959,14 @@
           </a:ln>
           <a:extLst>
             <a:ext uri="{909E8E84-426E-40dd-AFC4-6F175D3DCCD1}">
-              <a14:hiddenFill xmlns:a14="http://schemas.microsoft.com/office/drawing/2010/main" xmlns="">
+              <a14:hiddenFill xmlns="" xmlns:a14="http://schemas.microsoft.com/office/drawing/2010/main">
                 <a:solidFill>
                   <a:srgbClr val="FFFFFF"/>
                 </a:solidFill>
               </a14:hiddenFill>
             </a:ext>
             <a:ext uri="{91240B29-F687-4f45-9708-019B960494DF}">
-              <a14:hiddenLine xmlns:a14="http://schemas.microsoft.com/office/drawing/2010/main" xmlns="" w="9525">
+              <a14:hiddenLine xmlns="" xmlns:a14="http://schemas.microsoft.com/office/drawing/2010/main" w="9525">
                 <a:solidFill>
                   <a:srgbClr val="000000"/>
                 </a:solidFill>
@@ -8210,7 +8210,7 @@
             <a:fld id="{4F15450E-D87A-F045-B427-882C6DA9EF88}" type="datetime1">
               <a:rPr lang="en-US" altLang="ja-JP"/>
               <a:pPr/>
-              <a:t>11/5/19</a:t>
+              <a:t>11/7/19</a:t>
             </a:fld>
             <a:endParaRPr lang="en-US" altLang="ja-JP"/>
           </a:p>
@@ -8482,7 +8482,7 @@
             <a:fld id="{9939A7E9-E02C-F542-90BF-60410FC3BD97}" type="datetime1">
               <a:rPr lang="en-US" altLang="ja-JP"/>
               <a:pPr/>
-              <a:t>11/5/19</a:t>
+              <a:t>11/7/19</a:t>
             </a:fld>
             <a:endParaRPr lang="en-US" altLang="ja-JP"/>
           </a:p>
@@ -8601,14 +8601,14 @@
           </a:ln>
           <a:extLst>
             <a:ext uri="{909E8E84-426E-40dd-AFC4-6F175D3DCCD1}">
-              <a14:hiddenFill xmlns:a14="http://schemas.microsoft.com/office/drawing/2010/main" xmlns="">
+              <a14:hiddenFill xmlns="" xmlns:a14="http://schemas.microsoft.com/office/drawing/2010/main">
                 <a:solidFill>
                   <a:srgbClr val="FFFFFF"/>
                 </a:solidFill>
               </a14:hiddenFill>
             </a:ext>
             <a:ext uri="{91240B29-F687-4f45-9708-019B960494DF}">
-              <a14:hiddenLine xmlns:a14="http://schemas.microsoft.com/office/drawing/2010/main" xmlns="" w="9525">
+              <a14:hiddenLine xmlns="" xmlns:a14="http://schemas.microsoft.com/office/drawing/2010/main" w="9525">
                 <a:solidFill>
                   <a:srgbClr val="000000"/>
                 </a:solidFill>
@@ -8618,7 +8618,7 @@
               </a14:hiddenLine>
             </a:ext>
             <a:ext uri="{FAA26D3D-D897-4be2-8F04-BA451C77F1D7}">
-              <ma14:placeholderFlag xmlns:ma14="http://schemas.microsoft.com/office/mac/drawingml/2011/main" xmlns="" val="1"/>
+              <ma14:placeholderFlag xmlns="" xmlns:ma14="http://schemas.microsoft.com/office/mac/drawingml/2011/main" val="1"/>
             </a:ext>
           </a:extLst>
         </p:spPr>
@@ -8662,14 +8662,14 @@
           </a:ln>
           <a:extLst>
             <a:ext uri="{909E8E84-426E-40dd-AFC4-6F175D3DCCD1}">
-              <a14:hiddenFill xmlns:a14="http://schemas.microsoft.com/office/drawing/2010/main" xmlns="">
+              <a14:hiddenFill xmlns="" xmlns:a14="http://schemas.microsoft.com/office/drawing/2010/main">
                 <a:solidFill>
                   <a:srgbClr val="FFFFFF"/>
                 </a:solidFill>
               </a14:hiddenFill>
             </a:ext>
             <a:ext uri="{91240B29-F687-4f45-9708-019B960494DF}">
-              <a14:hiddenLine xmlns:a14="http://schemas.microsoft.com/office/drawing/2010/main" xmlns="" w="9525">
+              <a14:hiddenLine xmlns="" xmlns:a14="http://schemas.microsoft.com/office/drawing/2010/main" w="9525">
                 <a:solidFill>
                   <a:srgbClr val="000000"/>
                 </a:solidFill>
@@ -8679,7 +8679,7 @@
               </a14:hiddenLine>
             </a:ext>
             <a:ext uri="{FAA26D3D-D897-4be2-8F04-BA451C77F1D7}">
-              <ma14:placeholderFlag xmlns:ma14="http://schemas.microsoft.com/office/mac/drawingml/2011/main" xmlns="" val="1"/>
+              <ma14:placeholderFlag xmlns="" xmlns:ma14="http://schemas.microsoft.com/office/mac/drawingml/2011/main" val="1"/>
             </a:ext>
           </a:extLst>
         </p:spPr>
@@ -8766,7 +8766,7 @@
             <a:fld id="{737452DA-0FC7-9749-AC95-456D3A080DD9}" type="datetime1">
               <a:rPr lang="en-US" altLang="ja-JP"/>
               <a:pPr/>
-              <a:t>11/5/19</a:t>
+              <a:t>11/7/19</a:t>
             </a:fld>
             <a:endParaRPr lang="en-US" altLang="ja-JP"/>
           </a:p>
@@ -9446,7 +9446,7 @@
           <a:p>
             <a:fld id="{314C27E4-3F14-4EB0-A0B7-52A5040CC8C6}" type="datetimeFigureOut">
               <a:rPr lang="en-US" smtClean="0"/>
-              <a:t>11/5/19</a:t>
+              <a:t>11/7/19</a:t>
             </a:fld>
             <a:endParaRPr lang="en-US"/>
           </a:p>
@@ -9984,7 +9984,7 @@
           <a:p>
             <a:fld id="{22559B5B-FF36-4D59-B3D9-55EADB775587}" type="datetimeFigureOut">
               <a:rPr lang="en-US" smtClean="0"/>
-              <a:t>11/5/19</a:t>
+              <a:t>11/7/19</a:t>
             </a:fld>
             <a:endParaRPr lang="en-US"/>
           </a:p>
@@ -10731,13 +10731,30 @@
                 <a:ea typeface="Tahoma" panose="020B0604030504040204" pitchFamily="34" charset="0"/>
                 <a:cs typeface="Tahoma" panose="020B0604030504040204" pitchFamily="34" charset="0"/>
               </a:rPr>
-              <a:t> occurring</a:t>
+              <a:t> </a:t>
+            </a:r>
+            <a:r>
+              <a:rPr lang="en-US" sz="4000">
+                <a:solidFill>
+                  <a:srgbClr val="4CA800"/>
+                </a:solidFill>
+                <a:latin typeface="Helvetica" pitchFamily="2" charset="0"/>
+                <a:ea typeface="Tahoma" panose="020B0604030504040204" pitchFamily="34" charset="0"/>
+                <a:cs typeface="Tahoma" panose="020B0604030504040204" pitchFamily="34" charset="0"/>
+              </a:rPr>
+              <a:t>occurring</a:t>
+            </a:r>
+            <a:r>
+              <a:rPr lang="en-US" sz="4000">
+                <a:latin typeface="Helvetica" pitchFamily="2" charset="0"/>
+              </a:rPr>
+              <a:t> at a </a:t>
             </a:r>
             <a:r>
               <a:rPr lang="en-US" sz="4000" dirty="0">
                 <a:latin typeface="Helvetica" pitchFamily="2" charset="0"/>
               </a:rPr>
-              <a:t> a site while accounting for imperfect </a:t>
+              <a:t>site while accounting for imperfect </a:t>
             </a:r>
             <a:r>
               <a:rPr lang="en-US" sz="4000" dirty="0">
@@ -11106,8 +11123,8 @@
           </p:spPr>
         </p:pic>
       </p:grpSp>
-      <mc:AlternateContent xmlns:mc="http://schemas.openxmlformats.org/markup-compatibility/2006">
-        <mc:Choice xmlns:a14="http://schemas.microsoft.com/office/drawing/2010/main" Requires="a14">
+      <mc:AlternateContent xmlns:mc="http://schemas.openxmlformats.org/markup-compatibility/2006" xmlns:a14="http://schemas.microsoft.com/office/drawing/2010/main">
+        <mc:Choice Requires="a14">
           <p:sp>
             <p:nvSpPr>
               <p:cNvPr id="13" name="TextBox 12">
@@ -11208,7 +11225,7 @@
             </p:txBody>
           </p:sp>
         </mc:Choice>
-        <mc:Fallback>
+        <mc:Fallback xmlns="">
           <p:sp>
             <p:nvSpPr>
               <p:cNvPr id="13" name="TextBox 12">
@@ -11258,8 +11275,8 @@
           </p:sp>
         </mc:Fallback>
       </mc:AlternateContent>
-      <mc:AlternateContent xmlns:mc="http://schemas.openxmlformats.org/markup-compatibility/2006">
-        <mc:Choice xmlns:a14="http://schemas.microsoft.com/office/drawing/2010/main" Requires="a14">
+      <mc:AlternateContent xmlns:mc="http://schemas.openxmlformats.org/markup-compatibility/2006" xmlns:a14="http://schemas.microsoft.com/office/drawing/2010/main">
+        <mc:Choice Requires="a14">
           <p:sp>
             <p:nvSpPr>
               <p:cNvPr id="15" name="TextBox 14">
@@ -11354,7 +11371,7 @@
             </p:txBody>
           </p:sp>
         </mc:Choice>
-        <mc:Fallback>
+        <mc:Fallback xmlns="">
           <p:sp>
             <p:nvSpPr>
               <p:cNvPr id="15" name="TextBox 14">
@@ -11575,8 +11592,8 @@
           </p:spPr>
         </p:pic>
       </p:grpSp>
-      <mc:AlternateContent xmlns:mc="http://schemas.openxmlformats.org/markup-compatibility/2006">
-        <mc:Choice xmlns:a14="http://schemas.microsoft.com/office/drawing/2010/main" Requires="a14">
+      <mc:AlternateContent xmlns:mc="http://schemas.openxmlformats.org/markup-compatibility/2006" xmlns:a14="http://schemas.microsoft.com/office/drawing/2010/main">
+        <mc:Choice Requires="a14">
           <p:sp>
             <p:nvSpPr>
               <p:cNvPr id="16" name="TextBox 15">
@@ -11756,7 +11773,7 @@
             </p:txBody>
           </p:sp>
         </mc:Choice>
-        <mc:Fallback>
+        <mc:Fallback xmlns="">
           <p:sp>
             <p:nvSpPr>
               <p:cNvPr id="16" name="TextBox 15">
@@ -12050,8 +12067,8 @@
           </p:spPr>
         </p:pic>
       </p:grpSp>
-      <mc:AlternateContent xmlns:mc="http://schemas.openxmlformats.org/markup-compatibility/2006">
-        <mc:Choice xmlns:a14="http://schemas.microsoft.com/office/drawing/2010/main" Requires="a14">
+      <mc:AlternateContent xmlns:mc="http://schemas.openxmlformats.org/markup-compatibility/2006" xmlns:a14="http://schemas.microsoft.com/office/drawing/2010/main">
+        <mc:Choice Requires="a14">
           <p:sp>
             <p:nvSpPr>
               <p:cNvPr id="16" name="TextBox 15">
@@ -12142,7 +12159,7 @@
             </p:txBody>
           </p:sp>
         </mc:Choice>
-        <mc:Fallback>
+        <mc:Fallback xmlns="">
           <p:sp>
             <p:nvSpPr>
               <p:cNvPr id="16" name="TextBox 15">
@@ -12397,8 +12414,8 @@
           </a:prstGeom>
         </p:spPr>
       </p:pic>
-      <mc:AlternateContent xmlns:mc="http://schemas.openxmlformats.org/markup-compatibility/2006">
-        <mc:Choice xmlns:a14="http://schemas.microsoft.com/office/drawing/2010/main" Requires="a14">
+      <mc:AlternateContent xmlns:mc="http://schemas.openxmlformats.org/markup-compatibility/2006" xmlns:a14="http://schemas.microsoft.com/office/drawing/2010/main">
+        <mc:Choice Requires="a14">
           <p:sp>
             <p:nvSpPr>
               <p:cNvPr id="10" name="TextBox 9">
@@ -12458,7 +12475,7 @@
             </p:txBody>
           </p:sp>
         </mc:Choice>
-        <mc:Fallback>
+        <mc:Fallback xmlns="">
           <p:sp>
             <p:nvSpPr>
               <p:cNvPr id="10" name="TextBox 9">
@@ -12674,8 +12691,8 @@
           </p:spPr>
         </p:pic>
       </p:grpSp>
-      <mc:AlternateContent xmlns:mc="http://schemas.openxmlformats.org/markup-compatibility/2006">
-        <mc:Choice xmlns:a14="http://schemas.microsoft.com/office/drawing/2010/main" Requires="a14">
+      <mc:AlternateContent xmlns:mc="http://schemas.openxmlformats.org/markup-compatibility/2006" xmlns:a14="http://schemas.microsoft.com/office/drawing/2010/main">
+        <mc:Choice Requires="a14">
           <p:sp>
             <p:nvSpPr>
               <p:cNvPr id="16" name="TextBox 15">
@@ -12970,7 +12987,7 @@
             </p:txBody>
           </p:sp>
         </mc:Choice>
-        <mc:Fallback>
+        <mc:Fallback xmlns="">
           <p:sp>
             <p:nvSpPr>
               <p:cNvPr id="16" name="TextBox 15">
@@ -13093,8 +13110,8 @@
           </a:prstGeom>
         </p:spPr>
       </p:pic>
-      <mc:AlternateContent xmlns:mc="http://schemas.openxmlformats.org/markup-compatibility/2006">
-        <mc:Choice xmlns:a14="http://schemas.microsoft.com/office/drawing/2010/main" Requires="a14">
+      <mc:AlternateContent xmlns:mc="http://schemas.openxmlformats.org/markup-compatibility/2006" xmlns:a14="http://schemas.microsoft.com/office/drawing/2010/main">
+        <mc:Choice Requires="a14">
           <p:sp>
             <p:nvSpPr>
               <p:cNvPr id="10" name="TextBox 9">
@@ -13414,7 +13431,7 @@
             </p:txBody>
           </p:sp>
         </mc:Choice>
-        <mc:Fallback>
+        <mc:Fallback xmlns="">
           <p:sp>
             <p:nvSpPr>
               <p:cNvPr id="10" name="TextBox 9">
@@ -13630,8 +13647,8 @@
           </p:spPr>
         </p:pic>
       </p:grpSp>
-      <mc:AlternateContent xmlns:mc="http://schemas.openxmlformats.org/markup-compatibility/2006">
-        <mc:Choice xmlns:a14="http://schemas.microsoft.com/office/drawing/2010/main" Requires="a14">
+      <mc:AlternateContent xmlns:mc="http://schemas.openxmlformats.org/markup-compatibility/2006" xmlns:a14="http://schemas.microsoft.com/office/drawing/2010/main">
+        <mc:Choice Requires="a14">
           <p:sp>
             <p:nvSpPr>
               <p:cNvPr id="16" name="TextBox 15">
@@ -13926,7 +13943,7 @@
             </p:txBody>
           </p:sp>
         </mc:Choice>
-        <mc:Fallback>
+        <mc:Fallback xmlns="">
           <p:sp>
             <p:nvSpPr>
               <p:cNvPr id="16" name="TextBox 15">
@@ -14049,8 +14066,8 @@
           </a:prstGeom>
         </p:spPr>
       </p:pic>
-      <mc:AlternateContent xmlns:mc="http://schemas.openxmlformats.org/markup-compatibility/2006">
-        <mc:Choice xmlns:a14="http://schemas.microsoft.com/office/drawing/2010/main" Requires="a14">
+      <mc:AlternateContent xmlns:mc="http://schemas.openxmlformats.org/markup-compatibility/2006" xmlns:a14="http://schemas.microsoft.com/office/drawing/2010/main">
+        <mc:Choice Requires="a14">
           <p:sp>
             <p:nvSpPr>
               <p:cNvPr id="10" name="TextBox 9">
@@ -14370,7 +14387,7 @@
             </p:txBody>
           </p:sp>
         </mc:Choice>
-        <mc:Fallback>
+        <mc:Fallback xmlns="">
           <p:sp>
             <p:nvSpPr>
               <p:cNvPr id="10" name="TextBox 9">
